--- a/Presentación1.pptx
+++ b/Presentación1.pptx
@@ -104,6 +104,11 @@
       </a:defRPr>
     </a:lvl9pPr>
   </p:defaultTextStyle>
+  <p:extLst>
+    <p:ext uri="{EFAFB233-063F-42B5-8137-9DF3F51BA10A}">
+      <p15:sldGuideLst xmlns:p15="http://schemas.microsoft.com/office/powerpoint/2012/main"/>
+    </p:ext>
+  </p:extLst>
 </p:presentation>
 </file>
 
@@ -3409,15 +3414,15 @@
           <p:nvPr/>
         </p:nvGrpSpPr>
         <p:grpSpPr>
-          <a:xfrm>
+          <a:xfrm rot="19279677">
             <a:off x="1713726" y="866325"/>
             <a:ext cx="7599240" cy="4625280"/>
             <a:chOff x="1713726" y="866325"/>
             <a:chExt cx="7599240" cy="4625280"/>
           </a:xfrm>
         </p:grpSpPr>
-        <mc:AlternateContent xmlns:mc="http://schemas.openxmlformats.org/markup-compatibility/2006">
-          <mc:Choice xmlns:p14="http://schemas.microsoft.com/office/powerpoint/2010/main" Requires="p14">
+        <mc:AlternateContent xmlns:mc="http://schemas.openxmlformats.org/markup-compatibility/2006" xmlns:p14="http://schemas.microsoft.com/office/powerpoint/2010/main">
+          <mc:Choice Requires="p14">
             <p:contentPart p14:bwMode="auto" r:id="rId2">
               <p14:nvContentPartPr>
                 <p14:cNvPr id="4" name="Entrada de lápiz 3">
@@ -3436,7 +3441,7 @@
               </p14:xfrm>
             </p:contentPart>
           </mc:Choice>
-          <mc:Fallback>
+          <mc:Fallback xmlns="">
             <p:pic>
               <p:nvPicPr>
                 <p:cNvPr id="4" name="Entrada de lápiz 3">
@@ -3467,8 +3472,8 @@
             </p:pic>
           </mc:Fallback>
         </mc:AlternateContent>
-        <mc:AlternateContent xmlns:mc="http://schemas.openxmlformats.org/markup-compatibility/2006">
-          <mc:Choice xmlns:p14="http://schemas.microsoft.com/office/powerpoint/2010/main" Requires="p14">
+        <mc:AlternateContent xmlns:mc="http://schemas.openxmlformats.org/markup-compatibility/2006" xmlns:p14="http://schemas.microsoft.com/office/powerpoint/2010/main">
+          <mc:Choice Requires="p14">
             <p:contentPart p14:bwMode="auto" r:id="rId4">
               <p14:nvContentPartPr>
                 <p14:cNvPr id="5" name="Entrada de lápiz 4">
@@ -3487,7 +3492,7 @@
               </p14:xfrm>
             </p:contentPart>
           </mc:Choice>
-          <mc:Fallback>
+          <mc:Fallback xmlns="">
             <p:pic>
               <p:nvPicPr>
                 <p:cNvPr id="5" name="Entrada de lápiz 4">
@@ -3549,6 +3554,42 @@
           <a:xfrm>
             <a:off x="5327178" y="115330"/>
             <a:ext cx="6257925" cy="5638800"/>
+          </a:xfrm>
+          <a:prstGeom prst="rect">
+            <a:avLst/>
+          </a:prstGeom>
+        </p:spPr>
+      </p:pic>
+      <p:pic>
+        <p:nvPicPr>
+          <p:cNvPr id="3" name="Imagen 2">
+            <a:extLst>
+              <a:ext uri="{FF2B5EF4-FFF2-40B4-BE49-F238E27FC236}">
+                <a16:creationId xmlns:a16="http://schemas.microsoft.com/office/drawing/2014/main" id="{A8DC6D0B-B22C-7CB5-F408-547081DCC908}"/>
+              </a:ext>
+            </a:extLst>
+          </p:cNvPr>
+          <p:cNvPicPr>
+            <a:picLocks noChangeAspect="1"/>
+          </p:cNvPicPr>
+          <p:nvPr/>
+        </p:nvPicPr>
+        <p:blipFill>
+          <a:blip r:embed="rId7">
+            <a:extLst>
+              <a:ext uri="{28A0092B-C50C-407E-A947-70E740481C1C}">
+                <a14:useLocalDpi xmlns:a14="http://schemas.microsoft.com/office/drawing/2010/main" val="0"/>
+              </a:ext>
+            </a:extLst>
+          </a:blip>
+          <a:stretch>
+            <a:fillRect/>
+          </a:stretch>
+        </p:blipFill>
+        <p:spPr>
+          <a:xfrm rot="2481494">
+            <a:off x="4364702" y="2135469"/>
+            <a:ext cx="4054368" cy="4054368"/>
           </a:xfrm>
           <a:prstGeom prst="rect">
             <a:avLst/>

--- a/Presentación1.pptx
+++ b/Presentación1.pptx
@@ -3596,6 +3596,46 @@
           </a:prstGeom>
         </p:spPr>
       </p:pic>
+      <p:sp>
+        <p:nvSpPr>
+          <p:cNvPr id="2" name="CuadroTexto 1">
+            <a:extLst>
+              <a:ext uri="{FF2B5EF4-FFF2-40B4-BE49-F238E27FC236}">
+                <a16:creationId xmlns:a16="http://schemas.microsoft.com/office/drawing/2014/main" id="{F4B23481-501D-1581-F6B2-5167C37694F2}"/>
+              </a:ext>
+            </a:extLst>
+          </p:cNvPr>
+          <p:cNvSpPr txBox="1"/>
+          <p:nvPr/>
+        </p:nvSpPr>
+        <p:spPr>
+          <a:xfrm>
+            <a:off x="892174" y="315432"/>
+            <a:ext cx="2791962" cy="369332"/>
+          </a:xfrm>
+          <a:prstGeom prst="rect">
+            <a:avLst/>
+          </a:prstGeom>
+          <a:noFill/>
+        </p:spPr>
+        <p:txBody>
+          <a:bodyPr wrap="square" rtlCol="0">
+            <a:spAutoFit/>
+          </a:bodyPr>
+          <a:lstStyle/>
+          <a:p>
+            <a:r>
+              <a:rPr lang="es-CO" dirty="0"/>
+              <a:t>Así sí que </a:t>
+            </a:r>
+            <a:r>
+              <a:rPr lang="es-CO"/>
+              <a:t>es bonito</a:t>
+            </a:r>
+            <a:endParaRPr lang="es-CO" dirty="0"/>
+          </a:p>
+        </p:txBody>
+      </p:sp>
     </p:spTree>
     <p:extLst>
       <p:ext uri="{BB962C8B-B14F-4D97-AF65-F5344CB8AC3E}">

--- a/Presentación1.pptx
+++ b/Presentación1.pptx
@@ -104,6 +104,11 @@
       </a:defRPr>
     </a:lvl9pPr>
   </p:defaultTextStyle>
+  <p:extLst>
+    <p:ext uri="{EFAFB233-063F-42B5-8137-9DF3F51BA10A}">
+      <p15:sldGuideLst xmlns:p15="http://schemas.microsoft.com/office/powerpoint/2012/main"/>
+    </p:ext>
+  </p:extLst>
 </p:presentation>
 </file>
 
@@ -3416,8 +3421,8 @@
             <a:chExt cx="7599240" cy="4625280"/>
           </a:xfrm>
         </p:grpSpPr>
-        <mc:AlternateContent xmlns:mc="http://schemas.openxmlformats.org/markup-compatibility/2006">
-          <mc:Choice xmlns:p14="http://schemas.microsoft.com/office/powerpoint/2010/main" Requires="p14">
+        <mc:AlternateContent xmlns:mc="http://schemas.openxmlformats.org/markup-compatibility/2006" xmlns:p14="http://schemas.microsoft.com/office/powerpoint/2010/main">
+          <mc:Choice Requires="p14">
             <p:contentPart p14:bwMode="auto" r:id="rId2">
               <p14:nvContentPartPr>
                 <p14:cNvPr id="4" name="Entrada de lápiz 3">
@@ -3436,7 +3441,7 @@
               </p14:xfrm>
             </p:contentPart>
           </mc:Choice>
-          <mc:Fallback>
+          <mc:Fallback xmlns="">
             <p:pic>
               <p:nvPicPr>
                 <p:cNvPr id="4" name="Entrada de lápiz 3">
@@ -3467,8 +3472,8 @@
             </p:pic>
           </mc:Fallback>
         </mc:AlternateContent>
-        <mc:AlternateContent xmlns:mc="http://schemas.openxmlformats.org/markup-compatibility/2006">
-          <mc:Choice xmlns:p14="http://schemas.microsoft.com/office/powerpoint/2010/main" Requires="p14">
+        <mc:AlternateContent xmlns:mc="http://schemas.openxmlformats.org/markup-compatibility/2006" xmlns:p14="http://schemas.microsoft.com/office/powerpoint/2010/main">
+          <mc:Choice Requires="p14">
             <p:contentPart p14:bwMode="auto" r:id="rId4">
               <p14:nvContentPartPr>
                 <p14:cNvPr id="5" name="Entrada de lápiz 4">
@@ -3487,7 +3492,7 @@
               </p14:xfrm>
             </p:contentPart>
           </mc:Choice>
-          <mc:Fallback>
+          <mc:Fallback xmlns="">
             <p:pic>
               <p:nvPicPr>
                 <p:cNvPr id="5" name="Entrada de lápiz 4">
@@ -3555,6 +3560,48 @@
           </a:prstGeom>
         </p:spPr>
       </p:pic>
+      <p:sp>
+        <p:nvSpPr>
+          <p:cNvPr id="3" name="CuadroTexto 2">
+            <a:extLst>
+              <a:ext uri="{FF2B5EF4-FFF2-40B4-BE49-F238E27FC236}">
+                <a16:creationId xmlns:a16="http://schemas.microsoft.com/office/drawing/2014/main" id="{6EDA9417-A162-FB81-BF71-5C51736DCDEE}"/>
+              </a:ext>
+            </a:extLst>
+          </p:cNvPr>
+          <p:cNvSpPr txBox="1"/>
+          <p:nvPr/>
+        </p:nvSpPr>
+        <p:spPr>
+          <a:xfrm>
+            <a:off x="1606378" y="642551"/>
+            <a:ext cx="3249827" cy="646331"/>
+          </a:xfrm>
+          <a:prstGeom prst="rect">
+            <a:avLst/>
+          </a:prstGeom>
+          <a:noFill/>
+        </p:spPr>
+        <p:txBody>
+          <a:bodyPr wrap="square" rtlCol="0">
+            <a:spAutoFit/>
+          </a:bodyPr>
+          <a:lstStyle/>
+          <a:p>
+            <a:r>
+              <a:rPr lang="es-CO" dirty="0"/>
+              <a:t>Vamos </a:t>
+            </a:r>
+            <a:r>
+              <a:rPr lang="es-CO"/>
+              <a:t>a probar a ver</a:t>
+            </a:r>
+          </a:p>
+          <a:p>
+            <a:endParaRPr lang="es-CO"/>
+          </a:p>
+        </p:txBody>
+      </p:sp>
     </p:spTree>
     <p:extLst>
       <p:ext uri="{BB962C8B-B14F-4D97-AF65-F5344CB8AC3E}">
